--- a/docs/songs_2024-11-17.pptx
+++ b/docs/songs_2024-11-17.pptx
@@ -11,11 +11,11 @@
     <p:sldId id="950" r:id="rId2"/>
     <p:sldId id="1059" r:id="rId3"/>
     <p:sldId id="1085" r:id="rId4"/>
-    <p:sldId id="1086" r:id="rId5"/>
-    <p:sldId id="1087" r:id="rId6"/>
-    <p:sldId id="1088" r:id="rId7"/>
-    <p:sldId id="1089" r:id="rId8"/>
-    <p:sldId id="1090" r:id="rId9"/>
+    <p:sldId id="1087" r:id="rId5"/>
+    <p:sldId id="1088" r:id="rId6"/>
+    <p:sldId id="1089" r:id="rId7"/>
+    <p:sldId id="1090" r:id="rId8"/>
+    <p:sldId id="1266" r:id="rId9"/>
     <p:sldId id="1091" r:id="rId10"/>
     <p:sldId id="1253" r:id="rId11"/>
     <p:sldId id="1254" r:id="rId12"/>
@@ -156,11 +156,11 @@
             <p14:sldId id="950"/>
             <p14:sldId id="1059"/>
             <p14:sldId id="1085"/>
-            <p14:sldId id="1086"/>
             <p14:sldId id="1087"/>
             <p14:sldId id="1088"/>
             <p14:sldId id="1089"/>
             <p14:sldId id="1090"/>
+            <p14:sldId id="1266"/>
             <p14:sldId id="1091"/>
             <p14:sldId id="1253"/>
             <p14:sldId id="1254"/>
@@ -299,7 +299,7 @@
           <a:p>
             <a:fld id="{C57EAEFC-A9C7-464E-BE3F-33D4DD72E122}" type="datetimeFigureOut">
               <a:rPr lang="en-GB" smtClean="0"/>
-              <a:t>11/11/2024</a:t>
+              <a:t>13/11/2024</a:t>
             </a:fld>
             <a:endParaRPr lang="en-GB"/>
           </a:p>
@@ -1419,7 +1419,7 @@
             <a:fld id="{26EA1CF3-4A15-4CBF-9A5A-6A56C368BE71}" type="datetimeFigureOut">
               <a:rPr lang="en-GB" smtClean="0"/>
               <a:pPr/>
-              <a:t>11/11/2024</a:t>
+              <a:t>13/11/2024</a:t>
             </a:fld>
             <a:endParaRPr lang="en-GB"/>
           </a:p>
@@ -1584,7 +1584,7 @@
             <a:fld id="{26EA1CF3-4A15-4CBF-9A5A-6A56C368BE71}" type="datetimeFigureOut">
               <a:rPr lang="en-GB" smtClean="0"/>
               <a:pPr/>
-              <a:t>11/11/2024</a:t>
+              <a:t>13/11/2024</a:t>
             </a:fld>
             <a:endParaRPr lang="en-GB"/>
           </a:p>
@@ -1759,7 +1759,7 @@
             <a:fld id="{26EA1CF3-4A15-4CBF-9A5A-6A56C368BE71}" type="datetimeFigureOut">
               <a:rPr lang="en-GB" smtClean="0"/>
               <a:pPr/>
-              <a:t>11/11/2024</a:t>
+              <a:t>13/11/2024</a:t>
             </a:fld>
             <a:endParaRPr lang="en-GB"/>
           </a:p>
@@ -1926,7 +1926,7 @@
             <a:fld id="{26EA1CF3-4A15-4CBF-9A5A-6A56C368BE71}" type="datetimeFigureOut">
               <a:rPr lang="en-GB" smtClean="0"/>
               <a:pPr/>
-              <a:t>11/11/2024</a:t>
+              <a:t>13/11/2024</a:t>
             </a:fld>
             <a:endParaRPr lang="en-GB"/>
           </a:p>
@@ -2168,7 +2168,7 @@
             <a:fld id="{26EA1CF3-4A15-4CBF-9A5A-6A56C368BE71}" type="datetimeFigureOut">
               <a:rPr lang="en-GB" smtClean="0"/>
               <a:pPr/>
-              <a:t>11/11/2024</a:t>
+              <a:t>13/11/2024</a:t>
             </a:fld>
             <a:endParaRPr lang="en-GB"/>
           </a:p>
@@ -2450,7 +2450,7 @@
             <a:fld id="{26EA1CF3-4A15-4CBF-9A5A-6A56C368BE71}" type="datetimeFigureOut">
               <a:rPr lang="en-GB" smtClean="0"/>
               <a:pPr/>
-              <a:t>11/11/2024</a:t>
+              <a:t>13/11/2024</a:t>
             </a:fld>
             <a:endParaRPr lang="en-GB"/>
           </a:p>
@@ -2866,7 +2866,7 @@
             <a:fld id="{26EA1CF3-4A15-4CBF-9A5A-6A56C368BE71}" type="datetimeFigureOut">
               <a:rPr lang="en-GB" smtClean="0"/>
               <a:pPr/>
-              <a:t>11/11/2024</a:t>
+              <a:t>13/11/2024</a:t>
             </a:fld>
             <a:endParaRPr lang="en-GB"/>
           </a:p>
@@ -2980,7 +2980,7 @@
             <a:fld id="{26EA1CF3-4A15-4CBF-9A5A-6A56C368BE71}" type="datetimeFigureOut">
               <a:rPr lang="en-GB" smtClean="0"/>
               <a:pPr/>
-              <a:t>11/11/2024</a:t>
+              <a:t>13/11/2024</a:t>
             </a:fld>
             <a:endParaRPr lang="en-GB"/>
           </a:p>
@@ -3072,7 +3072,7 @@
             <a:fld id="{26EA1CF3-4A15-4CBF-9A5A-6A56C368BE71}" type="datetimeFigureOut">
               <a:rPr lang="en-GB" smtClean="0"/>
               <a:pPr/>
-              <a:t>11/11/2024</a:t>
+              <a:t>13/11/2024</a:t>
             </a:fld>
             <a:endParaRPr lang="en-GB"/>
           </a:p>
@@ -3344,7 +3344,7 @@
             <a:fld id="{26EA1CF3-4A15-4CBF-9A5A-6A56C368BE71}" type="datetimeFigureOut">
               <a:rPr lang="en-GB" smtClean="0"/>
               <a:pPr/>
-              <a:t>11/11/2024</a:t>
+              <a:t>13/11/2024</a:t>
             </a:fld>
             <a:endParaRPr lang="en-GB"/>
           </a:p>
@@ -3596,7 +3596,7 @@
             <a:fld id="{26EA1CF3-4A15-4CBF-9A5A-6A56C368BE71}" type="datetimeFigureOut">
               <a:rPr lang="en-GB" smtClean="0"/>
               <a:pPr/>
-              <a:t>11/11/2024</a:t>
+              <a:t>13/11/2024</a:t>
             </a:fld>
             <a:endParaRPr lang="en-GB"/>
           </a:p>
@@ -3805,7 +3805,7 @@
             <a:fld id="{26EA1CF3-4A15-4CBF-9A5A-6A56C368BE71}" type="datetimeFigureOut">
               <a:rPr lang="en-GB" smtClean="0"/>
               <a:pPr/>
-              <a:t>11/11/2024</a:t>
+              <a:t>13/11/2024</a:t>
             </a:fld>
             <a:endParaRPr lang="en-GB"/>
           </a:p>
@@ -10923,7 +10923,7 @@
                   <a:schemeClr val="bg1"/>
                 </a:solidFill>
               </a:rPr>
-              <a:t>I’m so blessed hallelujah I’m blessed</a:t>
+              <a:t>Trouble knocking at my door today</a:t>
             </a:r>
           </a:p>
           <a:p>
@@ -10933,7 +10933,107 @@
                   <a:schemeClr val="bg1"/>
                 </a:solidFill>
               </a:rPr>
-              <a:t>I’m so blessed hallelujah I’m blessed</a:t>
+              <a:t>I </a:t>
+            </a:r>
+            <a:r>
+              <a:rPr lang="en-GB" sz="4400" dirty="0" err="1">
+                <a:solidFill>
+                  <a:schemeClr val="bg1"/>
+                </a:solidFill>
+              </a:rPr>
+              <a:t>ain’t</a:t>
+            </a:r>
+            <a:r>
+              <a:rPr lang="en-GB" sz="4400" dirty="0">
+                <a:solidFill>
+                  <a:schemeClr val="bg1"/>
+                </a:solidFill>
+              </a:rPr>
+              <a:t> </a:t>
+            </a:r>
+            <a:r>
+              <a:rPr lang="en-GB" sz="4400" dirty="0" err="1">
+                <a:solidFill>
+                  <a:schemeClr val="bg1"/>
+                </a:solidFill>
+              </a:rPr>
+              <a:t>gonna</a:t>
+            </a:r>
+            <a:r>
+              <a:rPr lang="en-GB" sz="4400" dirty="0">
+                <a:solidFill>
+                  <a:schemeClr val="bg1"/>
+                </a:solidFill>
+              </a:rPr>
+              <a:t> let it in</a:t>
+            </a:r>
+          </a:p>
+          <a:p>
+            <a:r>
+              <a:rPr lang="en-GB" sz="4400" dirty="0">
+                <a:solidFill>
+                  <a:schemeClr val="bg1"/>
+                </a:solidFill>
+              </a:rPr>
+              <a:t>Worry </a:t>
+            </a:r>
+            <a:r>
+              <a:rPr lang="en-GB" sz="4400" dirty="0" err="1">
+                <a:solidFill>
+                  <a:schemeClr val="bg1"/>
+                </a:solidFill>
+              </a:rPr>
+              <a:t>wanna</a:t>
+            </a:r>
+            <a:r>
+              <a:rPr lang="en-GB" sz="4400" dirty="0">
+                <a:solidFill>
+                  <a:schemeClr val="bg1"/>
+                </a:solidFill>
+              </a:rPr>
+              <a:t> steal my joy away</a:t>
+            </a:r>
+          </a:p>
+          <a:p>
+            <a:r>
+              <a:rPr lang="en-GB" sz="4400" dirty="0">
+                <a:solidFill>
+                  <a:schemeClr val="bg1"/>
+                </a:solidFill>
+              </a:rPr>
+              <a:t>I </a:t>
+            </a:r>
+            <a:r>
+              <a:rPr lang="en-GB" sz="4400" dirty="0" err="1">
+                <a:solidFill>
+                  <a:schemeClr val="bg1"/>
+                </a:solidFill>
+              </a:rPr>
+              <a:t>ain’t</a:t>
+            </a:r>
+            <a:r>
+              <a:rPr lang="en-GB" sz="4400" dirty="0">
+                <a:solidFill>
+                  <a:schemeClr val="bg1"/>
+                </a:solidFill>
+              </a:rPr>
+              <a:t> </a:t>
+            </a:r>
+            <a:r>
+              <a:rPr lang="en-GB" sz="4400" dirty="0" err="1">
+                <a:solidFill>
+                  <a:schemeClr val="bg1"/>
+                </a:solidFill>
+              </a:rPr>
+              <a:t>gonna</a:t>
+            </a:r>
+            <a:r>
+              <a:rPr lang="en-GB" sz="4400" dirty="0">
+                <a:solidFill>
+                  <a:schemeClr val="bg1"/>
+                </a:solidFill>
+              </a:rPr>
+              <a:t> let it win</a:t>
             </a:r>
           </a:p>
         </p:txBody>
@@ -10974,7 +11074,7 @@
     </p:spTree>
     <p:extLst>
       <p:ext uri="{BB962C8B-B14F-4D97-AF65-F5344CB8AC3E}">
-        <p14:creationId xmlns:p14="http://schemas.microsoft.com/office/powerpoint/2010/main" val="3295211522"/>
+        <p14:creationId xmlns:p14="http://schemas.microsoft.com/office/powerpoint/2010/main" val="3610667131"/>
       </p:ext>
     </p:extLst>
   </p:cSld>
@@ -11812,7 +11912,7 @@
                   <a:schemeClr val="bg1"/>
                 </a:solidFill>
               </a:rPr>
-              <a:t>Trouble knocking at my door today</a:t>
+              <a:t>On my best day I’m a child of God</a:t>
             </a:r>
           </a:p>
           <a:p>
@@ -11822,107 +11922,27 @@
                   <a:schemeClr val="bg1"/>
                 </a:solidFill>
               </a:rPr>
-              <a:t>I </a:t>
-            </a:r>
-            <a:r>
-              <a:rPr lang="en-GB" sz="4400" dirty="0" err="1">
-                <a:solidFill>
-                  <a:schemeClr val="bg1"/>
-                </a:solidFill>
-              </a:rPr>
-              <a:t>ain’t</a:t>
-            </a:r>
+              <a:t>On my worst day I’m a child of God</a:t>
+            </a:r>
+          </a:p>
+          <a:p>
             <a:r>
               <a:rPr lang="en-GB" sz="4400" dirty="0">
                 <a:solidFill>
                   <a:schemeClr val="bg1"/>
                 </a:solidFill>
               </a:rPr>
-              <a:t> </a:t>
-            </a:r>
-            <a:r>
-              <a:rPr lang="en-GB" sz="4400" dirty="0" err="1">
-                <a:solidFill>
-                  <a:schemeClr val="bg1"/>
-                </a:solidFill>
-              </a:rPr>
-              <a:t>gonna</a:t>
-            </a:r>
+              <a:t>Oh everyday is a good day</a:t>
+            </a:r>
+          </a:p>
+          <a:p>
             <a:r>
               <a:rPr lang="en-GB" sz="4400" dirty="0">
                 <a:solidFill>
                   <a:schemeClr val="bg1"/>
                 </a:solidFill>
               </a:rPr>
-              <a:t> let it in</a:t>
-            </a:r>
-          </a:p>
-          <a:p>
-            <a:r>
-              <a:rPr lang="en-GB" sz="4400" dirty="0">
-                <a:solidFill>
-                  <a:schemeClr val="bg1"/>
-                </a:solidFill>
-              </a:rPr>
-              <a:t>Worry </a:t>
-            </a:r>
-            <a:r>
-              <a:rPr lang="en-GB" sz="4400" dirty="0" err="1">
-                <a:solidFill>
-                  <a:schemeClr val="bg1"/>
-                </a:solidFill>
-              </a:rPr>
-              <a:t>wanna</a:t>
-            </a:r>
-            <a:r>
-              <a:rPr lang="en-GB" sz="4400" dirty="0">
-                <a:solidFill>
-                  <a:schemeClr val="bg1"/>
-                </a:solidFill>
-              </a:rPr>
-              <a:t> steal my joy away</a:t>
-            </a:r>
-          </a:p>
-          <a:p>
-            <a:r>
-              <a:rPr lang="en-GB" sz="4400" dirty="0">
-                <a:solidFill>
-                  <a:schemeClr val="bg1"/>
-                </a:solidFill>
-              </a:rPr>
-              <a:t>I </a:t>
-            </a:r>
-            <a:r>
-              <a:rPr lang="en-GB" sz="4400" dirty="0" err="1">
-                <a:solidFill>
-                  <a:schemeClr val="bg1"/>
-                </a:solidFill>
-              </a:rPr>
-              <a:t>ain’t</a:t>
-            </a:r>
-            <a:r>
-              <a:rPr lang="en-GB" sz="4400" dirty="0">
-                <a:solidFill>
-                  <a:schemeClr val="bg1"/>
-                </a:solidFill>
-              </a:rPr>
-              <a:t> </a:t>
-            </a:r>
-            <a:r>
-              <a:rPr lang="en-GB" sz="4400" dirty="0" err="1">
-                <a:solidFill>
-                  <a:schemeClr val="bg1"/>
-                </a:solidFill>
-              </a:rPr>
-              <a:t>gonna</a:t>
-            </a:r>
-            <a:r>
-              <a:rPr lang="en-GB" sz="4400" dirty="0">
-                <a:solidFill>
-                  <a:schemeClr val="bg1"/>
-                </a:solidFill>
-              </a:rPr>
-              <a:t> let it win</a:t>
+              <a:t>You’re the reason why</a:t>
             </a:r>
           </a:p>
         </p:txBody>
@@ -11963,7 +11983,7 @@
     </p:spTree>
     <p:extLst>
       <p:ext uri="{BB962C8B-B14F-4D97-AF65-F5344CB8AC3E}">
-        <p14:creationId xmlns:p14="http://schemas.microsoft.com/office/powerpoint/2010/main" val="3610667131"/>
+        <p14:creationId xmlns:p14="http://schemas.microsoft.com/office/powerpoint/2010/main" val="3851088211"/>
       </p:ext>
     </p:extLst>
   </p:cSld>
@@ -12018,7 +12038,7 @@
                   <a:schemeClr val="bg1"/>
                 </a:solidFill>
               </a:rPr>
-              <a:t>On my best day I’m a child of God</a:t>
+              <a:t>I’m so blessed I’m so blessed</a:t>
             </a:r>
           </a:p>
           <a:p>
@@ -12028,7 +12048,7 @@
                   <a:schemeClr val="bg1"/>
                 </a:solidFill>
               </a:rPr>
-              <a:t>On my worst day I’m a child of God</a:t>
+              <a:t>Got this heartbeat in my chest</a:t>
             </a:r>
           </a:p>
           <a:p>
@@ -12038,7 +12058,7 @@
                   <a:schemeClr val="bg1"/>
                 </a:solidFill>
               </a:rPr>
-              <a:t>Oh everyday is a good day</a:t>
+              <a:t>No it doesn’t matter about the rest</a:t>
             </a:r>
           </a:p>
           <a:p>
@@ -12048,7 +12068,7 @@
                   <a:schemeClr val="bg1"/>
                 </a:solidFill>
               </a:rPr>
-              <a:t>You’re the reason why</a:t>
+              <a:t>If I got You Lord I’m so blessed</a:t>
             </a:r>
           </a:p>
         </p:txBody>
@@ -12089,7 +12109,7 @@
     </p:spTree>
     <p:extLst>
       <p:ext uri="{BB962C8B-B14F-4D97-AF65-F5344CB8AC3E}">
-        <p14:creationId xmlns:p14="http://schemas.microsoft.com/office/powerpoint/2010/main" val="3851088211"/>
+        <p14:creationId xmlns:p14="http://schemas.microsoft.com/office/powerpoint/2010/main" val="115779881"/>
       </p:ext>
     </p:extLst>
   </p:cSld>
@@ -12144,7 +12164,7 @@
                   <a:schemeClr val="bg1"/>
                 </a:solidFill>
               </a:rPr>
-              <a:t>I’m so blessed I’m so blessed</a:t>
+              <a:t>When I count the problems that I see</a:t>
             </a:r>
           </a:p>
           <a:p>
@@ -12154,7 +12174,7 @@
                   <a:schemeClr val="bg1"/>
                 </a:solidFill>
               </a:rPr>
-              <a:t>Got this heartbeat in my chest</a:t>
+              <a:t>Hope looks all but gone</a:t>
             </a:r>
           </a:p>
           <a:p>
@@ -12164,7 +12184,7 @@
                   <a:schemeClr val="bg1"/>
                 </a:solidFill>
               </a:rPr>
-              <a:t>No it doesn’t matter about the rest</a:t>
+              <a:t>But when I count the ways You’re good to me</a:t>
             </a:r>
           </a:p>
           <a:p>
@@ -12174,7 +12194,7 @@
                   <a:schemeClr val="bg1"/>
                 </a:solidFill>
               </a:rPr>
-              <a:t>If I got You Lord I’m so blessed</a:t>
+              <a:t>You got me counting all day long</a:t>
             </a:r>
           </a:p>
         </p:txBody>
@@ -12215,7 +12235,7 @@
     </p:spTree>
     <p:extLst>
       <p:ext uri="{BB962C8B-B14F-4D97-AF65-F5344CB8AC3E}">
-        <p14:creationId xmlns:p14="http://schemas.microsoft.com/office/powerpoint/2010/main" val="115779881"/>
+        <p14:creationId xmlns:p14="http://schemas.microsoft.com/office/powerpoint/2010/main" val="35989925"/>
       </p:ext>
     </p:extLst>
   </p:cSld>
@@ -12230,7 +12250,13 @@
   <p:cSld>
     <p:spTree>
       <p:nvGrpSpPr>
-        <p:cNvPr id="1" name=""/>
+        <p:cNvPr id="1" name="">
+          <a:extLst>
+            <a:ext uri="{FF2B5EF4-FFF2-40B4-BE49-F238E27FC236}">
+              <a16:creationId xmlns:a16="http://schemas.microsoft.com/office/drawing/2014/main" id="{A72A45AA-55D0-AF81-2047-BA0488B39D91}"/>
+            </a:ext>
+          </a:extLst>
+        </p:cNvPr>
         <p:cNvGrpSpPr/>
         <p:nvPr/>
       </p:nvGrpSpPr>
@@ -12244,7 +12270,13 @@
       </p:grpSpPr>
       <p:sp>
         <p:nvSpPr>
-          <p:cNvPr id="3" name="Subtitle 2"/>
+          <p:cNvPr id="3" name="Subtitle 2">
+            <a:extLst>
+              <a:ext uri="{FF2B5EF4-FFF2-40B4-BE49-F238E27FC236}">
+                <a16:creationId xmlns:a16="http://schemas.microsoft.com/office/drawing/2014/main" id="{30A9E6C9-FF8A-228A-CCDD-46F88C3CEA55}"/>
+              </a:ext>
+            </a:extLst>
+          </p:cNvPr>
           <p:cNvSpPr>
             <a:spLocks noGrp="1"/>
           </p:cNvSpPr>
@@ -12270,7 +12302,7 @@
                   <a:schemeClr val="bg1"/>
                 </a:solidFill>
               </a:rPr>
-              <a:t>When I count the problems that I see</a:t>
+              <a:t>On my best day I’m a child of God</a:t>
             </a:r>
           </a:p>
           <a:p>
@@ -12280,7 +12312,7 @@
                   <a:schemeClr val="bg1"/>
                 </a:solidFill>
               </a:rPr>
-              <a:t>Hope looks all but gone</a:t>
+              <a:t>On my worst day I’m a child of God</a:t>
             </a:r>
           </a:p>
           <a:p>
@@ -12290,7 +12322,7 @@
                   <a:schemeClr val="bg1"/>
                 </a:solidFill>
               </a:rPr>
-              <a:t>But when I count the ways You’re good to me</a:t>
+              <a:t>Oh everyday is a good day</a:t>
             </a:r>
           </a:p>
           <a:p>
@@ -12300,14 +12332,20 @@
                   <a:schemeClr val="bg1"/>
                 </a:solidFill>
               </a:rPr>
-              <a:t>You got me counting all day long</a:t>
-            </a:r>
-          </a:p>
-        </p:txBody>
-      </p:sp>
-      <p:sp>
-        <p:nvSpPr>
-          <p:cNvPr id="4" name="TextBox 3"/>
+              <a:t>You’re the reason why</a:t>
+            </a:r>
+          </a:p>
+        </p:txBody>
+      </p:sp>
+      <p:sp>
+        <p:nvSpPr>
+          <p:cNvPr id="4" name="TextBox 3">
+            <a:extLst>
+              <a:ext uri="{FF2B5EF4-FFF2-40B4-BE49-F238E27FC236}">
+                <a16:creationId xmlns:a16="http://schemas.microsoft.com/office/drawing/2014/main" id="{C354BADD-6C6A-1B32-333B-0D69FF6016E5}"/>
+              </a:ext>
+            </a:extLst>
+          </p:cNvPr>
           <p:cNvSpPr txBox="1"/>
           <p:nvPr/>
         </p:nvSpPr>
@@ -12341,7 +12379,7 @@
     </p:spTree>
     <p:extLst>
       <p:ext uri="{BB962C8B-B14F-4D97-AF65-F5344CB8AC3E}">
-        <p14:creationId xmlns:p14="http://schemas.microsoft.com/office/powerpoint/2010/main" val="35989925"/>
+        <p14:creationId xmlns:p14="http://schemas.microsoft.com/office/powerpoint/2010/main" val="1601988868"/>
       </p:ext>
     </p:extLst>
   </p:cSld>
@@ -12426,7 +12464,7 @@
                   <a:schemeClr val="bg1"/>
                 </a:solidFill>
               </a:rPr>
-              <a:t>If I got You Lord hallelujah I’m blessed</a:t>
+              <a:t>If I got You Lord I’m so blessed</a:t>
             </a:r>
           </a:p>
         </p:txBody>
